--- a/ex/352-S21/staging/352-S21/lectures/network-addressing.pptx
+++ b/ex/352-S21/staging/352-S21/lectures/network-addressing.pptx
@@ -6924,7 +6924,7 @@
           <a:solidFill>
             <a:schemeClr val="bg1"/>
           </a:solidFill>
-          <a:ln w="12700">
+          <a:ln w="25400">
             <a:solidFill>
               <a:schemeClr val="tx1"/>
             </a:solidFill>
@@ -7386,7 +7386,7 @@
           <a:solidFill>
             <a:schemeClr val="bg1"/>
           </a:solidFill>
-          <a:ln w="12700">
+          <a:ln w="25400">
             <a:solidFill>
               <a:schemeClr val="tx1"/>
             </a:solidFill>
@@ -7784,7 +7784,7 @@
           <a:solidFill>
             <a:schemeClr val="bg1"/>
           </a:solidFill>
-          <a:ln w="12700">
+          <a:ln w="25400">
             <a:solidFill>
               <a:schemeClr val="tx1"/>
             </a:solidFill>
@@ -7983,7 +7983,7 @@
           <a:solidFill>
             <a:schemeClr val="bg1"/>
           </a:solidFill>
-          <a:ln w="12700">
+          <a:ln w="25400">
             <a:solidFill>
               <a:schemeClr val="tx1"/>
             </a:solidFill>
@@ -8381,7 +8381,7 @@
           <a:solidFill>
             <a:schemeClr val="bg1"/>
           </a:solidFill>
-          <a:ln w="12700">
+          <a:ln w="25400">
             <a:solidFill>
               <a:schemeClr val="tx1"/>
             </a:solidFill>
@@ -8580,7 +8580,7 @@
           <a:solidFill>
             <a:schemeClr val="bg1"/>
           </a:solidFill>
-          <a:ln w="12700">
+          <a:ln w="25400">
             <a:solidFill>
               <a:schemeClr val="tx1"/>
             </a:solidFill>
@@ -11053,7 +11053,7 @@
           <a:prstGeom prst="line">
             <a:avLst/>
           </a:prstGeom>
-          <a:ln w="25400">
+          <a:ln w="12700">
             <a:solidFill>
               <a:schemeClr val="bg2">
                 <a:lumMod val="50000"/>
@@ -11144,7 +11144,7 @@
           <a:prstGeom prst="line">
             <a:avLst/>
           </a:prstGeom>
-          <a:ln w="25400">
+          <a:ln w="12700">
             <a:solidFill>
               <a:schemeClr val="bg2">
                 <a:lumMod val="50000"/>
@@ -11235,7 +11235,7 @@
           <a:prstGeom prst="line">
             <a:avLst/>
           </a:prstGeom>
-          <a:ln w="25400">
+          <a:ln w="12700">
             <a:solidFill>
               <a:schemeClr val="bg2">
                 <a:lumMod val="50000"/>
@@ -12762,6 +12762,51 @@
                       </p:childTnLst>
                     </p:cTn>
                   </p:par>
+                  <p:par>
+                    <p:cTn id="99" fill="hold">
+                      <p:stCondLst>
+                        <p:cond delay="indefinite"/>
+                      </p:stCondLst>
+                      <p:childTnLst>
+                        <p:par>
+                          <p:cTn id="100" fill="hold">
+                            <p:stCondLst>
+                              <p:cond delay="0"/>
+                            </p:stCondLst>
+                            <p:childTnLst>
+                              <p:par>
+                                <p:cTn id="101" presetID="1" presetClass="entr" presetSubtype="0" fill="hold" grpId="0" nodeType="clickEffect">
+                                  <p:stCondLst>
+                                    <p:cond delay="0"/>
+                                  </p:stCondLst>
+                                  <p:childTnLst>
+                                    <p:set>
+                                      <p:cBhvr>
+                                        <p:cTn id="102" dur="1" fill="hold">
+                                          <p:stCondLst>
+                                            <p:cond delay="0"/>
+                                          </p:stCondLst>
+                                        </p:cTn>
+                                        <p:tgtEl>
+                                          <p:spTgt spid="7"/>
+                                        </p:tgtEl>
+                                        <p:attrNameLst>
+                                          <p:attrName>style.visibility</p:attrName>
+                                        </p:attrNameLst>
+                                      </p:cBhvr>
+                                      <p:to>
+                                        <p:strVal val="visible"/>
+                                      </p:to>
+                                    </p:set>
+                                  </p:childTnLst>
+                                </p:cTn>
+                              </p:par>
+                            </p:childTnLst>
+                          </p:cTn>
+                        </p:par>
+                      </p:childTnLst>
+                    </p:cTn>
+                  </p:par>
                 </p:childTnLst>
               </p:cTn>
               <p:prevCondLst>
@@ -12817,6 +12862,7 @@
       <p:bldP spid="40" grpId="0"/>
       <p:bldP spid="41" grpId="0"/>
       <p:bldP spid="42" grpId="0"/>
+      <p:bldP spid="7" grpId="0"/>
     </p:bldLst>
   </p:timing>
 </p:sld>
@@ -13590,7 +13636,15 @@
           <a:p>
             <a:r>
               <a:rPr lang="en-US" altLang="en-US" dirty="0"/>
-              <a:t>Not enough nets in class A for large organizations</a:t>
+              <a:t>Not enough nets in class A </a:t>
+            </a:r>
+            <a:r>
+              <a:rPr lang="en-US" altLang="en-US"/>
+              <a:t>for large + medium </a:t>
+            </a:r>
+            <a:r>
+              <a:rPr lang="en-US" altLang="en-US" dirty="0"/>
+              <a:t>organizations</a:t>
             </a:r>
           </a:p>
           <a:p>
@@ -27450,14 +27504,14 @@
           </a:ln>
           <a:extLst>
             <a:ext uri="{909E8E84-426E-40dd-AFC4-6F175D3DCCD1}">
-              <a14:hiddenFill xmlns:a14="http://schemas.microsoft.com/office/drawing/2010/main" xmlns="">
+              <a14:hiddenFill xmlns="" xmlns:a14="http://schemas.microsoft.com/office/drawing/2010/main">
                 <a:solidFill>
                   <a:srgbClr val="FFFFFF"/>
                 </a:solidFill>
               </a14:hiddenFill>
             </a:ext>
             <a:ext uri="{91240B29-F687-4f45-9708-019B960494DF}">
-              <a14:hiddenLine xmlns:a14="http://schemas.microsoft.com/office/drawing/2010/main" xmlns="" w="9525">
+              <a14:hiddenLine xmlns="" xmlns:a14="http://schemas.microsoft.com/office/drawing/2010/main" w="9525">
                 <a:solidFill>
                   <a:srgbClr val="000000"/>
                 </a:solidFill>
@@ -27607,14 +27661,14 @@
           </a:ln>
           <a:extLst>
             <a:ext uri="{909E8E84-426E-40dd-AFC4-6F175D3DCCD1}">
-              <a14:hiddenFill xmlns:a14="http://schemas.microsoft.com/office/drawing/2010/main" xmlns="">
+              <a14:hiddenFill xmlns="" xmlns:a14="http://schemas.microsoft.com/office/drawing/2010/main">
                 <a:solidFill>
                   <a:srgbClr val="FFFFFF"/>
                 </a:solidFill>
               </a14:hiddenFill>
             </a:ext>
             <a:ext uri="{91240B29-F687-4f45-9708-019B960494DF}">
-              <a14:hiddenLine xmlns:a14="http://schemas.microsoft.com/office/drawing/2010/main" xmlns="" w="9525">
+              <a14:hiddenLine xmlns="" xmlns:a14="http://schemas.microsoft.com/office/drawing/2010/main" w="9525">
                 <a:solidFill>
                   <a:srgbClr val="000000"/>
                 </a:solidFill>
@@ -33799,35 +33853,26 @@
                                   </p:childTnLst>
                                 </p:cTn>
                               </p:par>
+                            </p:childTnLst>
+                          </p:cTn>
+                        </p:par>
+                      </p:childTnLst>
+                    </p:cTn>
+                  </p:par>
+                  <p:par>
+                    <p:cTn id="35" fill="hold">
+                      <p:stCondLst>
+                        <p:cond delay="indefinite"/>
+                      </p:stCondLst>
+                      <p:childTnLst>
+                        <p:par>
+                          <p:cTn id="36" fill="hold">
+                            <p:stCondLst>
+                              <p:cond delay="0"/>
+                            </p:stCondLst>
+                            <p:childTnLst>
                               <p:par>
-                                <p:cTn id="35" presetID="1" presetClass="entr" presetSubtype="0" fill="hold" grpId="0" nodeType="withEffect">
-                                  <p:stCondLst>
-                                    <p:cond delay="0"/>
-                                  </p:stCondLst>
-                                  <p:childTnLst>
-                                    <p:set>
-                                      <p:cBhvr>
-                                        <p:cTn id="36" dur="1" fill="hold">
-                                          <p:stCondLst>
-                                            <p:cond delay="0"/>
-                                          </p:stCondLst>
-                                        </p:cTn>
-                                        <p:tgtEl>
-                                          <p:spTgt spid="9"/>
-                                        </p:tgtEl>
-                                        <p:attrNameLst>
-                                          <p:attrName>style.visibility</p:attrName>
-                                        </p:attrNameLst>
-                                      </p:cBhvr>
-                                      <p:to>
-                                        <p:strVal val="visible"/>
-                                      </p:to>
-                                    </p:set>
-                                  </p:childTnLst>
-                                </p:cTn>
-                              </p:par>
-                              <p:par>
-                                <p:cTn id="37" presetID="1" presetClass="entr" presetSubtype="0" fill="hold" grpId="0" nodeType="withEffect">
+                                <p:cTn id="37" presetID="1" presetClass="entr" presetSubtype="0" fill="hold" grpId="0" nodeType="clickEffect">
                                   <p:stCondLst>
                                     <p:cond delay="0"/>
                                   </p:stCondLst>
@@ -33840,7 +33885,7 @@
                                           </p:stCondLst>
                                         </p:cTn>
                                         <p:tgtEl>
-                                          <p:spTgt spid="10"/>
+                                          <p:spTgt spid="9"/>
                                         </p:tgtEl>
                                         <p:attrNameLst>
                                           <p:attrName>style.visibility</p:attrName>
@@ -33885,6 +33930,51 @@
                                           </p:stCondLst>
                                         </p:cTn>
                                         <p:tgtEl>
+                                          <p:spTgt spid="10"/>
+                                        </p:tgtEl>
+                                        <p:attrNameLst>
+                                          <p:attrName>style.visibility</p:attrName>
+                                        </p:attrNameLst>
+                                      </p:cBhvr>
+                                      <p:to>
+                                        <p:strVal val="visible"/>
+                                      </p:to>
+                                    </p:set>
+                                  </p:childTnLst>
+                                </p:cTn>
+                              </p:par>
+                            </p:childTnLst>
+                          </p:cTn>
+                        </p:par>
+                      </p:childTnLst>
+                    </p:cTn>
+                  </p:par>
+                  <p:par>
+                    <p:cTn id="43" fill="hold">
+                      <p:stCondLst>
+                        <p:cond delay="indefinite"/>
+                      </p:stCondLst>
+                      <p:childTnLst>
+                        <p:par>
+                          <p:cTn id="44" fill="hold">
+                            <p:stCondLst>
+                              <p:cond delay="0"/>
+                            </p:stCondLst>
+                            <p:childTnLst>
+                              <p:par>
+                                <p:cTn id="45" presetID="1" presetClass="entr" presetSubtype="0" fill="hold" grpId="0" nodeType="clickEffect">
+                                  <p:stCondLst>
+                                    <p:cond delay="0"/>
+                                  </p:stCondLst>
+                                  <p:childTnLst>
+                                    <p:set>
+                                      <p:cBhvr>
+                                        <p:cTn id="46" dur="1" fill="hold">
+                                          <p:stCondLst>
+                                            <p:cond delay="0"/>
+                                          </p:stCondLst>
+                                        </p:cTn>
+                                        <p:tgtEl>
                                           <p:spTgt spid="11"/>
                                         </p:tgtEl>
                                         <p:attrNameLst>
@@ -33899,14 +33989,14 @@
                                 </p:cTn>
                               </p:par>
                               <p:par>
-                                <p:cTn id="43" presetID="1" presetClass="entr" presetSubtype="0" fill="hold" grpId="0" nodeType="withEffect">
+                                <p:cTn id="47" presetID="1" presetClass="entr" presetSubtype="0" fill="hold" grpId="0" nodeType="withEffect">
                                   <p:stCondLst>
                                     <p:cond delay="0"/>
                                   </p:stCondLst>
                                   <p:childTnLst>
                                     <p:set>
                                       <p:cBhvr>
-                                        <p:cTn id="44" dur="1" fill="hold">
+                                        <p:cTn id="48" dur="1" fill="hold">
                                           <p:stCondLst>
                                             <p:cond delay="0"/>
                                           </p:stCondLst>
@@ -33926,14 +34016,14 @@
                                 </p:cTn>
                               </p:par>
                               <p:par>
-                                <p:cTn id="45" presetID="1" presetClass="entr" presetSubtype="0" fill="hold" grpId="0" nodeType="withEffect">
+                                <p:cTn id="49" presetID="1" presetClass="entr" presetSubtype="0" fill="hold" grpId="0" nodeType="withEffect">
                                   <p:stCondLst>
                                     <p:cond delay="0"/>
                                   </p:stCondLst>
                                   <p:childTnLst>
                                     <p:set>
                                       <p:cBhvr>
-                                        <p:cTn id="46" dur="1" fill="hold">
+                                        <p:cTn id="50" dur="1" fill="hold">
                                           <p:stCondLst>
                                             <p:cond delay="0"/>
                                           </p:stCondLst>

--- a/ex/352-S21/staging/352-S21/lectures/network-addressing.pptx
+++ b/ex/352-S21/staging/352-S21/lectures/network-addressing.pptx
@@ -222,7 +222,7 @@
           <a:p>
             <a:fld id="{973C490B-630B-7F46-B6FE-05D0FD1689A8}" type="datetimeFigureOut">
               <a:rPr lang="en-US" smtClean="0"/>
-              <a:t>3/13/21</a:t>
+              <a:t>3/14/21</a:t>
             </a:fld>
             <a:endParaRPr lang="en-US"/>
           </a:p>
@@ -1052,7 +1052,7 @@
           <a:p>
             <a:fld id="{DEDCE603-2B12-5844-BEA7-E98E825B38C7}" type="datetimeFigureOut">
               <a:rPr lang="en-US" smtClean="0"/>
-              <a:t>3/13/21</a:t>
+              <a:t>3/14/21</a:t>
             </a:fld>
             <a:endParaRPr lang="en-US"/>
           </a:p>
@@ -1250,7 +1250,7 @@
           <a:p>
             <a:fld id="{DEDCE603-2B12-5844-BEA7-E98E825B38C7}" type="datetimeFigureOut">
               <a:rPr lang="en-US" smtClean="0"/>
-              <a:t>3/13/21</a:t>
+              <a:t>3/14/21</a:t>
             </a:fld>
             <a:endParaRPr lang="en-US"/>
           </a:p>
@@ -1458,7 +1458,7 @@
           <a:p>
             <a:fld id="{DEDCE603-2B12-5844-BEA7-E98E825B38C7}" type="datetimeFigureOut">
               <a:rPr lang="en-US" smtClean="0"/>
-              <a:t>3/13/21</a:t>
+              <a:t>3/14/21</a:t>
             </a:fld>
             <a:endParaRPr lang="en-US"/>
           </a:p>
@@ -1667,7 +1667,7 @@
           <a:p>
             <a:fld id="{DEDCE603-2B12-5844-BEA7-E98E825B38C7}" type="datetimeFigureOut">
               <a:rPr lang="en-US" smtClean="0"/>
-              <a:t>3/13/21</a:t>
+              <a:t>3/14/21</a:t>
             </a:fld>
             <a:endParaRPr lang="en-US"/>
           </a:p>
@@ -1942,7 +1942,7 @@
           <a:p>
             <a:fld id="{DEDCE603-2B12-5844-BEA7-E98E825B38C7}" type="datetimeFigureOut">
               <a:rPr lang="en-US" smtClean="0"/>
-              <a:t>3/13/21</a:t>
+              <a:t>3/14/21</a:t>
             </a:fld>
             <a:endParaRPr lang="en-US"/>
           </a:p>
@@ -2207,7 +2207,7 @@
           <a:p>
             <a:fld id="{DEDCE603-2B12-5844-BEA7-E98E825B38C7}" type="datetimeFigureOut">
               <a:rPr lang="en-US" smtClean="0"/>
-              <a:t>3/13/21</a:t>
+              <a:t>3/14/21</a:t>
             </a:fld>
             <a:endParaRPr lang="en-US"/>
           </a:p>
@@ -2619,7 +2619,7 @@
           <a:p>
             <a:fld id="{DEDCE603-2B12-5844-BEA7-E98E825B38C7}" type="datetimeFigureOut">
               <a:rPr lang="en-US" smtClean="0"/>
-              <a:t>3/13/21</a:t>
+              <a:t>3/14/21</a:t>
             </a:fld>
             <a:endParaRPr lang="en-US"/>
           </a:p>
@@ -2760,7 +2760,7 @@
           <a:p>
             <a:fld id="{DEDCE603-2B12-5844-BEA7-E98E825B38C7}" type="datetimeFigureOut">
               <a:rPr lang="en-US" smtClean="0"/>
-              <a:t>3/13/21</a:t>
+              <a:t>3/14/21</a:t>
             </a:fld>
             <a:endParaRPr lang="en-US"/>
           </a:p>
@@ -2873,7 +2873,7 @@
           <a:p>
             <a:fld id="{DEDCE603-2B12-5844-BEA7-E98E825B38C7}" type="datetimeFigureOut">
               <a:rPr lang="en-US" smtClean="0"/>
-              <a:t>3/13/21</a:t>
+              <a:t>3/14/21</a:t>
             </a:fld>
             <a:endParaRPr lang="en-US"/>
           </a:p>
@@ -3184,7 +3184,7 @@
           <a:p>
             <a:fld id="{DEDCE603-2B12-5844-BEA7-E98E825B38C7}" type="datetimeFigureOut">
               <a:rPr lang="en-US" smtClean="0"/>
-              <a:t>3/13/21</a:t>
+              <a:t>3/14/21</a:t>
             </a:fld>
             <a:endParaRPr lang="en-US"/>
           </a:p>
@@ -3472,7 +3472,7 @@
           <a:p>
             <a:fld id="{DEDCE603-2B12-5844-BEA7-E98E825B38C7}" type="datetimeFigureOut">
               <a:rPr lang="en-US" smtClean="0"/>
-              <a:t>3/13/21</a:t>
+              <a:t>3/14/21</a:t>
             </a:fld>
             <a:endParaRPr lang="en-US"/>
           </a:p>
@@ -3713,7 +3713,7 @@
           <a:p>
             <a:fld id="{DEDCE603-2B12-5844-BEA7-E98E825B38C7}" type="datetimeFigureOut">
               <a:rPr lang="en-US" smtClean="0"/>
-              <a:t>3/13/21</a:t>
+              <a:t>3/14/21</a:t>
             </a:fld>
             <a:endParaRPr lang="en-US"/>
           </a:p>
@@ -17507,7 +17507,7 @@
           <a:p>
             <a:r>
               <a:rPr lang="en-US" dirty="0"/>
-              <a:t>Transport</a:t>
+              <a:t>Network</a:t>
             </a:r>
           </a:p>
         </p:txBody>
@@ -27504,14 +27504,14 @@
           </a:ln>
           <a:extLst>
             <a:ext uri="{909E8E84-426E-40dd-AFC4-6F175D3DCCD1}">
-              <a14:hiddenFill xmlns="" xmlns:a14="http://schemas.microsoft.com/office/drawing/2010/main">
+              <a14:hiddenFill xmlns:a14="http://schemas.microsoft.com/office/drawing/2010/main" xmlns="">
                 <a:solidFill>
                   <a:srgbClr val="FFFFFF"/>
                 </a:solidFill>
               </a14:hiddenFill>
             </a:ext>
             <a:ext uri="{91240B29-F687-4f45-9708-019B960494DF}">
-              <a14:hiddenLine xmlns="" xmlns:a14="http://schemas.microsoft.com/office/drawing/2010/main" w="9525">
+              <a14:hiddenLine xmlns:a14="http://schemas.microsoft.com/office/drawing/2010/main" xmlns="" w="9525">
                 <a:solidFill>
                   <a:srgbClr val="000000"/>
                 </a:solidFill>
@@ -27661,14 +27661,14 @@
           </a:ln>
           <a:extLst>
             <a:ext uri="{909E8E84-426E-40dd-AFC4-6F175D3DCCD1}">
-              <a14:hiddenFill xmlns="" xmlns:a14="http://schemas.microsoft.com/office/drawing/2010/main">
+              <a14:hiddenFill xmlns:a14="http://schemas.microsoft.com/office/drawing/2010/main" xmlns="">
                 <a:solidFill>
                   <a:srgbClr val="FFFFFF"/>
                 </a:solidFill>
               </a14:hiddenFill>
             </a:ext>
             <a:ext uri="{91240B29-F687-4f45-9708-019B960494DF}">
-              <a14:hiddenLine xmlns="" xmlns:a14="http://schemas.microsoft.com/office/drawing/2010/main" w="9525">
+              <a14:hiddenLine xmlns:a14="http://schemas.microsoft.com/office/drawing/2010/main" xmlns="" w="9525">
                 <a:solidFill>
                   <a:srgbClr val="000000"/>
                 </a:solidFill>
